--- a/Temp/리포트 피규어용.pptx
+++ b/Temp/리포트 피규어용.pptx
@@ -9,6 +9,7 @@
     <p:sldId id="257" r:id="rId3"/>
     <p:sldId id="258" r:id="rId4"/>
     <p:sldId id="259" r:id="rId5"/>
+    <p:sldId id="260" r:id="rId6"/>
   </p:sldIdLst>
   <p:sldSz cx="12192000" cy="6858000"/>
   <p:notesSz cx="6858000" cy="9144000"/>
@@ -262,7 +263,7 @@
           <a:p>
             <a:fld id="{604E0568-ECD1-4357-BE90-9F627365A0A3}" type="datetimeFigureOut">
               <a:rPr lang="ko-KR" altLang="en-US" smtClean="0"/>
-              <a:t>2021-10-14</a:t>
+              <a:t>2021. 10. 16.</a:t>
             </a:fld>
             <a:endParaRPr lang="ko-KR" altLang="en-US"/>
           </a:p>
@@ -460,7 +461,7 @@
           <a:p>
             <a:fld id="{604E0568-ECD1-4357-BE90-9F627365A0A3}" type="datetimeFigureOut">
               <a:rPr lang="ko-KR" altLang="en-US" smtClean="0"/>
-              <a:t>2021-10-14</a:t>
+              <a:t>2021. 10. 16.</a:t>
             </a:fld>
             <a:endParaRPr lang="ko-KR" altLang="en-US"/>
           </a:p>
@@ -668,7 +669,7 @@
           <a:p>
             <a:fld id="{604E0568-ECD1-4357-BE90-9F627365A0A3}" type="datetimeFigureOut">
               <a:rPr lang="ko-KR" altLang="en-US" smtClean="0"/>
-              <a:t>2021-10-14</a:t>
+              <a:t>2021. 10. 16.</a:t>
             </a:fld>
             <a:endParaRPr lang="ko-KR" altLang="en-US"/>
           </a:p>
@@ -866,7 +867,7 @@
           <a:p>
             <a:fld id="{604E0568-ECD1-4357-BE90-9F627365A0A3}" type="datetimeFigureOut">
               <a:rPr lang="ko-KR" altLang="en-US" smtClean="0"/>
-              <a:t>2021-10-14</a:t>
+              <a:t>2021. 10. 16.</a:t>
             </a:fld>
             <a:endParaRPr lang="ko-KR" altLang="en-US"/>
           </a:p>
@@ -1141,7 +1142,7 @@
           <a:p>
             <a:fld id="{604E0568-ECD1-4357-BE90-9F627365A0A3}" type="datetimeFigureOut">
               <a:rPr lang="ko-KR" altLang="en-US" smtClean="0"/>
-              <a:t>2021-10-14</a:t>
+              <a:t>2021. 10. 16.</a:t>
             </a:fld>
             <a:endParaRPr lang="ko-KR" altLang="en-US"/>
           </a:p>
@@ -1406,7 +1407,7 @@
           <a:p>
             <a:fld id="{604E0568-ECD1-4357-BE90-9F627365A0A3}" type="datetimeFigureOut">
               <a:rPr lang="ko-KR" altLang="en-US" smtClean="0"/>
-              <a:t>2021-10-14</a:t>
+              <a:t>2021. 10. 16.</a:t>
             </a:fld>
             <a:endParaRPr lang="ko-KR" altLang="en-US"/>
           </a:p>
@@ -1818,7 +1819,7 @@
           <a:p>
             <a:fld id="{604E0568-ECD1-4357-BE90-9F627365A0A3}" type="datetimeFigureOut">
               <a:rPr lang="ko-KR" altLang="en-US" smtClean="0"/>
-              <a:t>2021-10-14</a:t>
+              <a:t>2021. 10. 16.</a:t>
             </a:fld>
             <a:endParaRPr lang="ko-KR" altLang="en-US"/>
           </a:p>
@@ -1959,7 +1960,7 @@
           <a:p>
             <a:fld id="{604E0568-ECD1-4357-BE90-9F627365A0A3}" type="datetimeFigureOut">
               <a:rPr lang="ko-KR" altLang="en-US" smtClean="0"/>
-              <a:t>2021-10-14</a:t>
+              <a:t>2021. 10. 16.</a:t>
             </a:fld>
             <a:endParaRPr lang="ko-KR" altLang="en-US"/>
           </a:p>
@@ -2072,7 +2073,7 @@
           <a:p>
             <a:fld id="{604E0568-ECD1-4357-BE90-9F627365A0A3}" type="datetimeFigureOut">
               <a:rPr lang="ko-KR" altLang="en-US" smtClean="0"/>
-              <a:t>2021-10-14</a:t>
+              <a:t>2021. 10. 16.</a:t>
             </a:fld>
             <a:endParaRPr lang="ko-KR" altLang="en-US"/>
           </a:p>
@@ -2383,7 +2384,7 @@
           <a:p>
             <a:fld id="{604E0568-ECD1-4357-BE90-9F627365A0A3}" type="datetimeFigureOut">
               <a:rPr lang="ko-KR" altLang="en-US" smtClean="0"/>
-              <a:t>2021-10-14</a:t>
+              <a:t>2021. 10. 16.</a:t>
             </a:fld>
             <a:endParaRPr lang="ko-KR" altLang="en-US"/>
           </a:p>
@@ -2671,7 +2672,7 @@
           <a:p>
             <a:fld id="{604E0568-ECD1-4357-BE90-9F627365A0A3}" type="datetimeFigureOut">
               <a:rPr lang="ko-KR" altLang="en-US" smtClean="0"/>
-              <a:t>2021-10-14</a:t>
+              <a:t>2021. 10. 16.</a:t>
             </a:fld>
             <a:endParaRPr lang="ko-KR" altLang="en-US"/>
           </a:p>
@@ -2912,7 +2913,7 @@
           <a:p>
             <a:fld id="{604E0568-ECD1-4357-BE90-9F627365A0A3}" type="datetimeFigureOut">
               <a:rPr lang="ko-KR" altLang="en-US" smtClean="0"/>
-              <a:t>2021-10-14</a:t>
+              <a:t>2021. 10. 16.</a:t>
             </a:fld>
             <a:endParaRPr lang="ko-KR" altLang="en-US"/>
           </a:p>
@@ -6325,7 +6326,7 @@
           <p:nvPr>
             <p:extLst>
               <p:ext uri="{D42A27DB-BD31-4B8C-83A1-F6EECF244321}">
-                <p14:modId xmlns:p14="http://schemas.microsoft.com/office/powerpoint/2010/main" val="956999476"/>
+                <p14:modId xmlns:p14="http://schemas.microsoft.com/office/powerpoint/2010/main" val="1101450416"/>
               </p:ext>
             </p:extLst>
           </p:nvPr>
@@ -7203,11 +7204,7 @@
                       </a:r>
                       <a:r>
                         <a:rPr lang="ko-KR" altLang="en-US" sz="1300" dirty="0"/>
-                        <a:t>에 대한 제한된 정보를 전달한다</a:t>
-                      </a:r>
-                      <a:r>
-                        <a:rPr lang="en-US" altLang="ko-KR" sz="1300" dirty="0"/>
-                        <a:t>.</a:t>
+                        <a:t>에 대한 제한된 정보를 전달</a:t>
                       </a:r>
                       <a:endParaRPr lang="ko-Kore-KR" altLang="en-US" sz="1300" dirty="0"/>
                     </a:p>
@@ -7415,6 +7412,1312 @@
     <p:extLst>
       <p:ext uri="{BB962C8B-B14F-4D97-AF65-F5344CB8AC3E}">
         <p14:creationId xmlns:p14="http://schemas.microsoft.com/office/powerpoint/2010/main" val="1776596265"/>
+      </p:ext>
+    </p:extLst>
+  </p:cSld>
+  <p:clrMapOvr>
+    <a:masterClrMapping/>
+  </p:clrMapOvr>
+</p:sld>
+</file>
+
+<file path=ppt/slides/slide5.xml><?xml version="1.0" encoding="utf-8"?>
+<p:sld xmlns:a="http://schemas.openxmlformats.org/drawingml/2006/main" xmlns:r="http://schemas.openxmlformats.org/officeDocument/2006/relationships" xmlns:p="http://schemas.openxmlformats.org/presentationml/2006/main">
+  <p:cSld>
+    <p:spTree>
+      <p:nvGrpSpPr>
+        <p:cNvPr id="1" name=""/>
+        <p:cNvGrpSpPr/>
+        <p:nvPr/>
+      </p:nvGrpSpPr>
+      <p:grpSpPr>
+        <a:xfrm>
+          <a:off x="0" y="0"/>
+          <a:ext cx="0" cy="0"/>
+          <a:chOff x="0" y="0"/>
+          <a:chExt cx="0" cy="0"/>
+        </a:xfrm>
+      </p:grpSpPr>
+      <p:graphicFrame>
+        <p:nvGraphicFramePr>
+          <p:cNvPr id="4" name="표 3">
+            <a:extLst>
+              <a:ext uri="{FF2B5EF4-FFF2-40B4-BE49-F238E27FC236}">
+                <a16:creationId xmlns:a16="http://schemas.microsoft.com/office/drawing/2014/main" id="{B62826B6-4E43-47CC-BB2C-1F85BB27C416}"/>
+              </a:ext>
+            </a:extLst>
+          </p:cNvPr>
+          <p:cNvGraphicFramePr>
+            <a:graphicFrameLocks noGrp="1"/>
+          </p:cNvGraphicFramePr>
+          <p:nvPr>
+            <p:extLst>
+              <p:ext uri="{D42A27DB-BD31-4B8C-83A1-F6EECF244321}">
+                <p14:modId xmlns:p14="http://schemas.microsoft.com/office/powerpoint/2010/main" val="2857166506"/>
+              </p:ext>
+            </p:extLst>
+          </p:nvPr>
+        </p:nvGraphicFramePr>
+        <p:xfrm>
+          <a:off x="370474" y="270076"/>
+          <a:ext cx="11343106" cy="3662680"/>
+        </p:xfrm>
+        <a:graphic>
+          <a:graphicData uri="http://schemas.openxmlformats.org/drawingml/2006/table">
+            <a:tbl>
+              <a:tblPr firstRow="1" bandRow="1">
+                <a:tableStyleId>{5C22544A-7EE6-4342-B048-85BDC9FD1C3A}</a:tableStyleId>
+              </a:tblPr>
+              <a:tblGrid>
+                <a:gridCol w="1666671">
+                  <a:extLst>
+                    <a:ext uri="{9D8B030D-6E8A-4147-A177-3AD203B41FA5}">
+                      <a16:colId xmlns:a16="http://schemas.microsoft.com/office/drawing/2014/main" val="4196151562"/>
+                    </a:ext>
+                  </a:extLst>
+                </a:gridCol>
+                <a:gridCol w="1689904">
+                  <a:extLst>
+                    <a:ext uri="{9D8B030D-6E8A-4147-A177-3AD203B41FA5}">
+                      <a16:colId xmlns:a16="http://schemas.microsoft.com/office/drawing/2014/main" val="2015917212"/>
+                    </a:ext>
+                  </a:extLst>
+                </a:gridCol>
+                <a:gridCol w="7986531">
+                  <a:extLst>
+                    <a:ext uri="{9D8B030D-6E8A-4147-A177-3AD203B41FA5}">
+                      <a16:colId xmlns:a16="http://schemas.microsoft.com/office/drawing/2014/main" val="2172027863"/>
+                    </a:ext>
+                  </a:extLst>
+                </a:gridCol>
+              </a:tblGrid>
+              <a:tr h="370840">
+                <a:tc>
+                  <a:txBody>
+                    <a:bodyPr/>
+                    <a:lstStyle/>
+                    <a:p>
+                      <a:pPr algn="ctr"/>
+                      <a:r>
+                        <a:rPr lang="en-US" altLang="ko-Kore-KR" b="1" dirty="0">
+                          <a:solidFill>
+                            <a:schemeClr val="tx1"/>
+                          </a:solidFill>
+                        </a:rPr>
+                        <a:t>Optimizer</a:t>
+                      </a:r>
+                      <a:endParaRPr lang="ko-Kore-KR" altLang="en-US" b="1" dirty="0">
+                        <a:solidFill>
+                          <a:schemeClr val="tx1"/>
+                        </a:solidFill>
+                      </a:endParaRPr>
+                    </a:p>
+                  </a:txBody>
+                  <a:tcPr>
+                    <a:lnL w="28575" cap="flat" cmpd="sng" algn="ctr">
+                      <a:noFill/>
+                      <a:prstDash val="solid"/>
+                      <a:round/>
+                      <a:headEnd type="none" w="med" len="med"/>
+                      <a:tailEnd type="none" w="med" len="med"/>
+                    </a:lnL>
+                    <a:lnT w="28575" cap="flat" cmpd="sng" algn="ctr">
+                      <a:solidFill>
+                        <a:schemeClr val="tx1"/>
+                      </a:solidFill>
+                      <a:prstDash val="solid"/>
+                      <a:round/>
+                      <a:headEnd type="none" w="med" len="med"/>
+                      <a:tailEnd type="none" w="med" len="med"/>
+                    </a:lnT>
+                    <a:lnB w="12700" cap="flat" cmpd="sng" algn="ctr">
+                      <a:solidFill>
+                        <a:schemeClr val="tx1"/>
+                      </a:solidFill>
+                      <a:prstDash val="solid"/>
+                      <a:round/>
+                      <a:headEnd type="none" w="med" len="med"/>
+                      <a:tailEnd type="none" w="med" len="med"/>
+                    </a:lnB>
+                    <a:noFill/>
+                  </a:tcPr>
+                </a:tc>
+                <a:tc>
+                  <a:txBody>
+                    <a:bodyPr/>
+                    <a:lstStyle/>
+                    <a:p>
+                      <a:pPr algn="ctr"/>
+                      <a:r>
+                        <a:rPr lang="en-US" altLang="ko-Kore-KR" b="1" dirty="0">
+                          <a:solidFill>
+                            <a:schemeClr val="tx1"/>
+                          </a:solidFill>
+                        </a:rPr>
+                        <a:t>Name</a:t>
+                      </a:r>
+                      <a:endParaRPr lang="ko-Kore-KR" altLang="en-US" b="1" dirty="0">
+                        <a:solidFill>
+                          <a:schemeClr val="tx1"/>
+                        </a:solidFill>
+                      </a:endParaRPr>
+                    </a:p>
+                  </a:txBody>
+                  <a:tcPr>
+                    <a:lnT w="28575" cap="flat" cmpd="sng" algn="ctr">
+                      <a:solidFill>
+                        <a:schemeClr val="tx1"/>
+                      </a:solidFill>
+                      <a:prstDash val="solid"/>
+                      <a:round/>
+                      <a:headEnd type="none" w="med" len="med"/>
+                      <a:tailEnd type="none" w="med" len="med"/>
+                    </a:lnT>
+                    <a:lnB w="12700" cap="flat" cmpd="sng" algn="ctr">
+                      <a:solidFill>
+                        <a:schemeClr val="tx1"/>
+                      </a:solidFill>
+                      <a:prstDash val="solid"/>
+                      <a:round/>
+                      <a:headEnd type="none" w="med" len="med"/>
+                      <a:tailEnd type="none" w="med" len="med"/>
+                    </a:lnB>
+                    <a:noFill/>
+                  </a:tcPr>
+                </a:tc>
+                <a:tc>
+                  <a:txBody>
+                    <a:bodyPr/>
+                    <a:lstStyle/>
+                    <a:p>
+                      <a:pPr algn="ctr"/>
+                      <a:r>
+                        <a:rPr lang="en-US" altLang="en-US" b="1" dirty="0">
+                          <a:solidFill>
+                            <a:schemeClr val="tx1"/>
+                          </a:solidFill>
+                        </a:rPr>
+                        <a:t>Description</a:t>
+                      </a:r>
+                      <a:endParaRPr lang="ko-Kore-KR" altLang="en-US" b="1" dirty="0">
+                        <a:solidFill>
+                          <a:schemeClr val="tx1"/>
+                        </a:solidFill>
+                      </a:endParaRPr>
+                    </a:p>
+                  </a:txBody>
+                  <a:tcPr anchor="ctr">
+                    <a:lnT w="28575" cap="flat" cmpd="sng" algn="ctr">
+                      <a:solidFill>
+                        <a:schemeClr val="tx1"/>
+                      </a:solidFill>
+                      <a:prstDash val="solid"/>
+                      <a:round/>
+                      <a:headEnd type="none" w="med" len="med"/>
+                      <a:tailEnd type="none" w="med" len="med"/>
+                    </a:lnT>
+                    <a:lnB w="12700" cap="flat" cmpd="sng" algn="ctr">
+                      <a:solidFill>
+                        <a:schemeClr val="tx1"/>
+                      </a:solidFill>
+                      <a:prstDash val="solid"/>
+                      <a:round/>
+                      <a:headEnd type="none" w="med" len="med"/>
+                      <a:tailEnd type="none" w="med" len="med"/>
+                    </a:lnB>
+                    <a:noFill/>
+                  </a:tcPr>
+                </a:tc>
+                <a:extLst>
+                  <a:ext uri="{0D108BD9-81ED-4DB2-BD59-A6C34878D82A}">
+                    <a16:rowId xmlns:a16="http://schemas.microsoft.com/office/drawing/2014/main" val="2464462025"/>
+                  </a:ext>
+                </a:extLst>
+              </a:tr>
+              <a:tr h="370840">
+                <a:tc rowSpan="2">
+                  <a:txBody>
+                    <a:bodyPr/>
+                    <a:lstStyle/>
+                    <a:p>
+                      <a:pPr algn="ctr"/>
+                      <a:r>
+                        <a:rPr lang="en-US" altLang="ko-Kore-KR" sz="1400" b="1" dirty="0"/>
+                        <a:t>Global Optimizer</a:t>
+                      </a:r>
+                      <a:endParaRPr lang="ko-Kore-KR" altLang="en-US" sz="1400" b="1" dirty="0"/>
+                    </a:p>
+                  </a:txBody>
+                  <a:tcPr anchor="ctr">
+                    <a:lnL w="28575" cap="flat" cmpd="sng" algn="ctr">
+                      <a:noFill/>
+                      <a:prstDash val="solid"/>
+                      <a:round/>
+                      <a:headEnd type="none" w="med" len="med"/>
+                      <a:tailEnd type="none" w="med" len="med"/>
+                    </a:lnL>
+                    <a:lnT w="12700" cap="flat" cmpd="sng" algn="ctr">
+                      <a:solidFill>
+                        <a:schemeClr val="tx1"/>
+                      </a:solidFill>
+                      <a:prstDash val="solid"/>
+                      <a:round/>
+                      <a:headEnd type="none" w="med" len="med"/>
+                      <a:tailEnd type="none" w="med" len="med"/>
+                    </a:lnT>
+                    <a:lnB w="12700" cap="flat" cmpd="sng" algn="ctr">
+                      <a:solidFill>
+                        <a:schemeClr val="tx1"/>
+                      </a:solidFill>
+                      <a:prstDash val="solid"/>
+                      <a:round/>
+                      <a:headEnd type="none" w="med" len="med"/>
+                      <a:tailEnd type="none" w="med" len="med"/>
+                    </a:lnB>
+                    <a:noFill/>
+                  </a:tcPr>
+                </a:tc>
+                <a:tc>
+                  <a:txBody>
+                    <a:bodyPr/>
+                    <a:lstStyle/>
+                    <a:p>
+                      <a:pPr algn="ctr"/>
+                      <a:r>
+                        <a:rPr lang="en-US" altLang="ko-Kore-KR" sz="1400" b="1" dirty="0"/>
+                        <a:t>DIRECT</a:t>
+                      </a:r>
+                      <a:endParaRPr lang="ko-Kore-KR" altLang="en-US" sz="1400" b="1" dirty="0"/>
+                    </a:p>
+                  </a:txBody>
+                  <a:tcPr anchor="ctr">
+                    <a:lnT w="12700" cap="flat" cmpd="sng" algn="ctr">
+                      <a:solidFill>
+                        <a:schemeClr val="tx1"/>
+                      </a:solidFill>
+                      <a:prstDash val="solid"/>
+                      <a:round/>
+                      <a:headEnd type="none" w="med" len="med"/>
+                      <a:tailEnd type="none" w="med" len="med"/>
+                    </a:lnT>
+                    <a:lnB w="12700" cap="flat" cmpd="sng" algn="ctr">
+                      <a:solidFill>
+                        <a:schemeClr val="tx1"/>
+                      </a:solidFill>
+                      <a:prstDash val="solid"/>
+                      <a:round/>
+                      <a:headEnd type="none" w="med" len="med"/>
+                      <a:tailEnd type="none" w="med" len="med"/>
+                    </a:lnB>
+                    <a:noFill/>
+                  </a:tcPr>
+                </a:tc>
+                <a:tc>
+                  <a:txBody>
+                    <a:bodyPr/>
+                    <a:lstStyle/>
+                    <a:p>
+                      <a:pPr algn="ctr"/>
+                      <a:r>
+                        <a:rPr lang="ko-KR" altLang="en-US" sz="1800" b="0" i="0" u="none" strike="noStrike" kern="1200" dirty="0">
+                          <a:solidFill>
+                            <a:schemeClr val="dk1"/>
+                          </a:solidFill>
+                          <a:effectLst/>
+                          <a:latin typeface="+mn-lt"/>
+                          <a:ea typeface="+mn-ea"/>
+                          <a:cs typeface="+mn-cs"/>
+                        </a:rPr>
+                        <a:t>미분을 사용하지 않고 단순 경계에 따르는 </a:t>
+                      </a:r>
+                      <a:r>
+                        <a:rPr lang="ko-KR" altLang="en-US" sz="1800" b="0" i="0" u="none" strike="noStrike" kern="1200" dirty="0" err="1">
+                          <a:solidFill>
+                            <a:schemeClr val="dk1"/>
+                          </a:solidFill>
+                          <a:effectLst/>
+                          <a:latin typeface="+mn-lt"/>
+                          <a:ea typeface="+mn-ea"/>
+                          <a:cs typeface="+mn-cs"/>
+                        </a:rPr>
+                        <a:t>다변량</a:t>
+                      </a:r>
+                      <a:r>
+                        <a:rPr lang="ko-KR" altLang="en-US" sz="1800" b="0" i="0" u="none" strike="noStrike" kern="1200" dirty="0">
+                          <a:solidFill>
+                            <a:schemeClr val="dk1"/>
+                          </a:solidFill>
+                          <a:effectLst/>
+                          <a:latin typeface="+mn-lt"/>
+                          <a:ea typeface="+mn-ea"/>
+                          <a:cs typeface="+mn-cs"/>
+                        </a:rPr>
+                        <a:t> 함수의 전역 </a:t>
+                      </a:r>
+                      <a:r>
+                        <a:rPr lang="ko-KR" altLang="en-US" sz="1800" b="0" i="0" u="none" strike="noStrike" kern="1200" dirty="0" err="1">
+                          <a:solidFill>
+                            <a:schemeClr val="dk1"/>
+                          </a:solidFill>
+                          <a:effectLst/>
+                          <a:latin typeface="+mn-lt"/>
+                          <a:ea typeface="+mn-ea"/>
+                          <a:cs typeface="+mn-cs"/>
+                        </a:rPr>
+                        <a:t>최적값을</a:t>
+                      </a:r>
+                      <a:r>
+                        <a:rPr lang="ko-KR" altLang="en-US" sz="1800" b="0" i="0" u="none" strike="noStrike" kern="1200" dirty="0">
+                          <a:solidFill>
+                            <a:schemeClr val="dk1"/>
+                          </a:solidFill>
+                          <a:effectLst/>
+                          <a:latin typeface="+mn-lt"/>
+                          <a:ea typeface="+mn-ea"/>
+                          <a:cs typeface="+mn-cs"/>
+                        </a:rPr>
+                        <a:t> 찾는다</a:t>
+                      </a:r>
+                      <a:r>
+                        <a:rPr lang="en-US" altLang="ko-KR" sz="1800" b="0" i="0" u="none" strike="noStrike" kern="1200" dirty="0">
+                          <a:solidFill>
+                            <a:schemeClr val="dk1"/>
+                          </a:solidFill>
+                          <a:effectLst/>
+                          <a:latin typeface="+mn-lt"/>
+                          <a:ea typeface="+mn-ea"/>
+                          <a:cs typeface="+mn-cs"/>
+                        </a:rPr>
+                        <a:t>. </a:t>
+                      </a:r>
+                      <a:r>
+                        <a:rPr lang="ko-KR" altLang="en-US" sz="1800" b="0" i="0" u="none" strike="noStrike" kern="1200" dirty="0">
+                          <a:solidFill>
+                            <a:schemeClr val="dk1"/>
+                          </a:solidFill>
+                          <a:effectLst/>
+                          <a:latin typeface="+mn-lt"/>
+                          <a:ea typeface="+mn-ea"/>
+                          <a:cs typeface="+mn-cs"/>
+                        </a:rPr>
+                        <a:t>또한 </a:t>
+                      </a:r>
+                      <a:r>
+                        <a:rPr lang="en" altLang="ko-Kore-KR" sz="1800" b="0" i="0" u="none" strike="noStrike" kern="1200" dirty="0">
+                          <a:solidFill>
+                            <a:schemeClr val="dk1"/>
+                          </a:solidFill>
+                          <a:effectLst/>
+                          <a:latin typeface="+mn-lt"/>
+                          <a:ea typeface="+mn-ea"/>
+                          <a:cs typeface="+mn-cs"/>
+                        </a:rPr>
+                        <a:t>Lipschitz </a:t>
+                      </a:r>
+                      <a:r>
+                        <a:rPr lang="ko-KR" altLang="en-US" sz="1800" b="0" i="0" u="none" strike="noStrike" kern="1200" dirty="0">
+                          <a:solidFill>
+                            <a:schemeClr val="dk1"/>
+                          </a:solidFill>
+                          <a:effectLst/>
+                          <a:latin typeface="+mn-lt"/>
+                          <a:ea typeface="+mn-ea"/>
+                          <a:cs typeface="+mn-cs"/>
+                        </a:rPr>
+                        <a:t>상수를 지정할 필요가 없는 표준 </a:t>
+                      </a:r>
+                      <a:r>
+                        <a:rPr lang="en" altLang="ko-Kore-KR" sz="1800" b="0" i="0" u="none" strike="noStrike" kern="1200" dirty="0" err="1">
+                          <a:solidFill>
+                            <a:schemeClr val="dk1"/>
+                          </a:solidFill>
+                          <a:effectLst/>
+                          <a:latin typeface="+mn-lt"/>
+                          <a:ea typeface="+mn-ea"/>
+                          <a:cs typeface="+mn-cs"/>
+                        </a:rPr>
+                        <a:t>Lipschitzian</a:t>
+                      </a:r>
+                      <a:r>
+                        <a:rPr lang="en" altLang="ko-Kore-KR" sz="1800" b="0" i="0" u="none" strike="noStrike" kern="1200" dirty="0">
+                          <a:solidFill>
+                            <a:schemeClr val="dk1"/>
+                          </a:solidFill>
+                          <a:effectLst/>
+                          <a:latin typeface="+mn-lt"/>
+                          <a:ea typeface="+mn-ea"/>
+                          <a:cs typeface="+mn-cs"/>
+                        </a:rPr>
+                        <a:t> </a:t>
+                      </a:r>
+                      <a:r>
+                        <a:rPr lang="ko-KR" altLang="en-US" sz="1800" b="0" i="0" u="none" strike="noStrike" kern="1200" dirty="0">
+                          <a:solidFill>
+                            <a:schemeClr val="dk1"/>
+                          </a:solidFill>
+                          <a:effectLst/>
+                          <a:latin typeface="+mn-lt"/>
+                          <a:ea typeface="+mn-ea"/>
+                          <a:cs typeface="+mn-cs"/>
+                        </a:rPr>
+                        <a:t>접근법을 </a:t>
+                      </a:r>
+                      <a:r>
+                        <a:rPr lang="en-US" altLang="ko-KR" sz="1800" b="0" i="0" u="none" strike="noStrike" kern="1200" dirty="0">
+                          <a:solidFill>
+                            <a:schemeClr val="dk1"/>
+                          </a:solidFill>
+                          <a:effectLst/>
+                          <a:latin typeface="+mn-lt"/>
+                          <a:ea typeface="+mn-ea"/>
+                          <a:cs typeface="+mn-cs"/>
+                        </a:rPr>
+                        <a:t>Modify </a:t>
+                      </a:r>
+                      <a:r>
+                        <a:rPr lang="ko-KR" altLang="en-US" sz="1800" b="0" i="0" u="none" strike="noStrike" kern="1200" dirty="0">
+                          <a:solidFill>
+                            <a:schemeClr val="dk1"/>
+                          </a:solidFill>
+                          <a:effectLst/>
+                          <a:latin typeface="+mn-lt"/>
+                          <a:ea typeface="+mn-ea"/>
+                          <a:cs typeface="+mn-cs"/>
+                        </a:rPr>
+                        <a:t>한다</a:t>
+                      </a:r>
+                      <a:r>
+                        <a:rPr lang="en-US" altLang="ko-KR" sz="1800" b="0" i="0" u="none" strike="noStrike" kern="1200" dirty="0">
+                          <a:solidFill>
+                            <a:schemeClr val="dk1"/>
+                          </a:solidFill>
+                          <a:effectLst/>
+                          <a:latin typeface="+mn-lt"/>
+                          <a:ea typeface="+mn-ea"/>
+                          <a:cs typeface="+mn-cs"/>
+                        </a:rPr>
+                        <a:t>. 0</a:t>
+                      </a:r>
+                      <a:r>
+                        <a:rPr lang="ko-KR" altLang="en-US" sz="1800" b="0" i="0" u="none" strike="noStrike" kern="1200" dirty="0">
+                          <a:solidFill>
+                            <a:schemeClr val="dk1"/>
+                          </a:solidFill>
+                          <a:effectLst/>
+                          <a:latin typeface="+mn-lt"/>
+                          <a:ea typeface="+mn-ea"/>
+                          <a:cs typeface="+mn-cs"/>
+                        </a:rPr>
+                        <a:t>에서 무한대에 이르는 모든 가능한 상수를 사용하여 전역 탐색을 수행한다</a:t>
+                      </a:r>
+                      <a:r>
+                        <a:rPr lang="en-US" altLang="ko-KR" sz="1800" b="0" i="0" u="none" strike="noStrike" kern="1200" dirty="0">
+                          <a:solidFill>
+                            <a:schemeClr val="dk1"/>
+                          </a:solidFill>
+                          <a:effectLst/>
+                          <a:latin typeface="+mn-lt"/>
+                          <a:ea typeface="+mn-ea"/>
+                          <a:cs typeface="+mn-cs"/>
+                        </a:rPr>
+                        <a:t>.[12]</a:t>
+                      </a:r>
+                      <a:endParaRPr lang="ko-Kore-KR" altLang="en-US" sz="1300" dirty="0"/>
+                    </a:p>
+                  </a:txBody>
+                  <a:tcPr anchor="ctr">
+                    <a:lnT w="12700" cap="flat" cmpd="sng" algn="ctr">
+                      <a:solidFill>
+                        <a:schemeClr val="tx1"/>
+                      </a:solidFill>
+                      <a:prstDash val="solid"/>
+                      <a:round/>
+                      <a:headEnd type="none" w="med" len="med"/>
+                      <a:tailEnd type="none" w="med" len="med"/>
+                    </a:lnT>
+                    <a:lnB w="12700" cap="flat" cmpd="sng" algn="ctr">
+                      <a:solidFill>
+                        <a:schemeClr val="tx1"/>
+                      </a:solidFill>
+                      <a:prstDash val="solid"/>
+                      <a:round/>
+                      <a:headEnd type="none" w="med" len="med"/>
+                      <a:tailEnd type="none" w="med" len="med"/>
+                    </a:lnB>
+                    <a:noFill/>
+                  </a:tcPr>
+                </a:tc>
+                <a:extLst>
+                  <a:ext uri="{0D108BD9-81ED-4DB2-BD59-A6C34878D82A}">
+                    <a16:rowId xmlns:a16="http://schemas.microsoft.com/office/drawing/2014/main" val="3186337685"/>
+                  </a:ext>
+                </a:extLst>
+              </a:tr>
+              <a:tr h="400994">
+                <a:tc vMerge="1">
+                  <a:txBody>
+                    <a:bodyPr/>
+                    <a:lstStyle/>
+                    <a:p>
+                      <a:pPr algn="r"/>
+                      <a:endParaRPr lang="ko-Kore-KR" altLang="en-US" sz="1400" b="1" dirty="0"/>
+                    </a:p>
+                  </a:txBody>
+                  <a:tcPr anchor="ctr">
+                    <a:lnL w="28575" cap="flat" cmpd="sng" algn="ctr">
+                      <a:noFill/>
+                      <a:prstDash val="solid"/>
+                      <a:round/>
+                      <a:headEnd type="none" w="med" len="med"/>
+                      <a:tailEnd type="none" w="med" len="med"/>
+                    </a:lnL>
+                    <a:lnT w="12700" cap="flat" cmpd="sng" algn="ctr">
+                      <a:solidFill>
+                        <a:schemeClr val="tx1"/>
+                      </a:solidFill>
+                      <a:prstDash val="solid"/>
+                      <a:round/>
+                      <a:headEnd type="none" w="med" len="med"/>
+                      <a:tailEnd type="none" w="med" len="med"/>
+                    </a:lnT>
+                    <a:lnB w="12700" cap="flat" cmpd="sng" algn="ctr">
+                      <a:solidFill>
+                        <a:schemeClr val="tx1"/>
+                      </a:solidFill>
+                      <a:prstDash val="solid"/>
+                      <a:round/>
+                      <a:headEnd type="none" w="med" len="med"/>
+                      <a:tailEnd type="none" w="med" len="med"/>
+                    </a:lnB>
+                    <a:noFill/>
+                  </a:tcPr>
+                </a:tc>
+                <a:tc>
+                  <a:txBody>
+                    <a:bodyPr/>
+                    <a:lstStyle/>
+                    <a:p>
+                      <a:pPr algn="ctr"/>
+                      <a:r>
+                        <a:rPr lang="en-US" altLang="ko-Kore-KR" sz="1400" b="1" dirty="0"/>
+                        <a:t>CMA-ES</a:t>
+                      </a:r>
+                      <a:endParaRPr lang="ko-Kore-KR" altLang="en-US" sz="1400" b="1" dirty="0"/>
+                    </a:p>
+                  </a:txBody>
+                  <a:tcPr anchor="ctr">
+                    <a:lnT w="12700" cap="flat" cmpd="sng" algn="ctr">
+                      <a:solidFill>
+                        <a:schemeClr val="tx1"/>
+                      </a:solidFill>
+                      <a:prstDash val="solid"/>
+                      <a:round/>
+                      <a:headEnd type="none" w="med" len="med"/>
+                      <a:tailEnd type="none" w="med" len="med"/>
+                    </a:lnT>
+                    <a:lnB w="12700" cap="flat" cmpd="sng" algn="ctr">
+                      <a:solidFill>
+                        <a:schemeClr val="tx1"/>
+                      </a:solidFill>
+                      <a:prstDash val="solid"/>
+                      <a:round/>
+                      <a:headEnd type="none" w="med" len="med"/>
+                      <a:tailEnd type="none" w="med" len="med"/>
+                    </a:lnB>
+                    <a:noFill/>
+                  </a:tcPr>
+                </a:tc>
+                <a:tc>
+                  <a:txBody>
+                    <a:bodyPr/>
+                    <a:lstStyle/>
+                    <a:p>
+                      <a:pPr marL="0" marR="0" lvl="0" indent="0" algn="ctr" defTabSz="914400" rtl="0" eaLnBrk="1" fontAlgn="auto" latinLnBrk="1" hangingPunct="1">
+                        <a:lnSpc>
+                          <a:spcPct val="100000"/>
+                        </a:lnSpc>
+                        <a:spcBef>
+                          <a:spcPts val="0"/>
+                        </a:spcBef>
+                        <a:spcAft>
+                          <a:spcPts val="0"/>
+                        </a:spcAft>
+                        <a:buClrTx/>
+                        <a:buSzTx/>
+                        <a:buFontTx/>
+                        <a:buNone/>
+                        <a:tabLst/>
+                        <a:defRPr/>
+                      </a:pPr>
+                      <a:r>
+                        <a:rPr lang="ko-KR" altLang="en-US" sz="1800" kern="1200" dirty="0">
+                          <a:solidFill>
+                            <a:schemeClr val="dk1"/>
+                          </a:solidFill>
+                          <a:effectLst/>
+                          <a:latin typeface="+mn-lt"/>
+                          <a:ea typeface="+mn-ea"/>
+                          <a:cs typeface="+mn-cs"/>
+                        </a:rPr>
+                        <a:t>일정한 </a:t>
+                      </a:r>
+                      <a:r>
+                        <a:rPr lang="ko-KR" altLang="en-US" sz="1800" kern="1200" dirty="0" err="1">
+                          <a:solidFill>
+                            <a:schemeClr val="dk1"/>
+                          </a:solidFill>
+                          <a:effectLst/>
+                          <a:latin typeface="+mn-lt"/>
+                          <a:ea typeface="+mn-ea"/>
+                          <a:cs typeface="+mn-cs"/>
+                        </a:rPr>
+                        <a:t>규칙에따라</a:t>
+                      </a:r>
+                      <a:r>
+                        <a:rPr lang="ko-KR" altLang="en-US" sz="1800" kern="1200" dirty="0">
+                          <a:solidFill>
+                            <a:schemeClr val="dk1"/>
+                          </a:solidFill>
+                          <a:effectLst/>
+                          <a:latin typeface="+mn-lt"/>
+                          <a:ea typeface="+mn-ea"/>
+                          <a:cs typeface="+mn-cs"/>
+                        </a:rPr>
+                        <a:t> 진화</a:t>
+                      </a:r>
+                      <a:r>
+                        <a:rPr lang="en-US" altLang="ko-KR" sz="1800" kern="1200" dirty="0">
+                          <a:solidFill>
+                            <a:schemeClr val="dk1"/>
+                          </a:solidFill>
+                          <a:effectLst/>
+                          <a:latin typeface="+mn-lt"/>
+                          <a:ea typeface="+mn-ea"/>
+                          <a:cs typeface="+mn-cs"/>
+                        </a:rPr>
+                        <a:t>, </a:t>
+                      </a:r>
+                      <a:r>
+                        <a:rPr lang="ko-KR" altLang="en-US" sz="1800" kern="1200" dirty="0" err="1">
+                          <a:solidFill>
+                            <a:schemeClr val="dk1"/>
+                          </a:solidFill>
+                          <a:effectLst/>
+                          <a:latin typeface="+mn-lt"/>
+                          <a:ea typeface="+mn-ea"/>
+                          <a:cs typeface="+mn-cs"/>
+                        </a:rPr>
+                        <a:t>선택과정을</a:t>
+                      </a:r>
+                      <a:r>
+                        <a:rPr lang="ko-KR" altLang="en-US" sz="1800" kern="1200" dirty="0">
+                          <a:solidFill>
+                            <a:schemeClr val="dk1"/>
+                          </a:solidFill>
+                          <a:effectLst/>
+                          <a:latin typeface="+mn-lt"/>
+                          <a:ea typeface="+mn-ea"/>
+                          <a:cs typeface="+mn-cs"/>
+                        </a:rPr>
+                        <a:t> 통해 </a:t>
+                      </a:r>
+                      <a:r>
+                        <a:rPr lang="ko-KR" altLang="en-US" sz="1800" kern="1200" dirty="0" err="1">
+                          <a:solidFill>
+                            <a:schemeClr val="dk1"/>
+                          </a:solidFill>
+                          <a:effectLst/>
+                          <a:latin typeface="+mn-lt"/>
+                          <a:ea typeface="+mn-ea"/>
+                          <a:cs typeface="+mn-cs"/>
+                        </a:rPr>
+                        <a:t>최적해를</a:t>
+                      </a:r>
+                      <a:r>
+                        <a:rPr lang="ko-KR" altLang="en-US" sz="1800" kern="1200" dirty="0">
+                          <a:solidFill>
+                            <a:schemeClr val="dk1"/>
+                          </a:solidFill>
+                          <a:effectLst/>
+                          <a:latin typeface="+mn-lt"/>
+                          <a:ea typeface="+mn-ea"/>
+                          <a:cs typeface="+mn-cs"/>
+                        </a:rPr>
+                        <a:t> 찾아나가는 방식이다</a:t>
+                      </a:r>
+                      <a:r>
+                        <a:rPr lang="en-US" altLang="ko-KR" sz="1800" kern="1200" dirty="0">
+                          <a:solidFill>
+                            <a:schemeClr val="dk1"/>
+                          </a:solidFill>
+                          <a:effectLst/>
+                          <a:latin typeface="+mn-lt"/>
+                          <a:ea typeface="+mn-ea"/>
+                          <a:cs typeface="+mn-cs"/>
+                        </a:rPr>
+                        <a:t>.[9]</a:t>
+                      </a:r>
+                      <a:r>
+                        <a:rPr lang="ko-KR" altLang="en-US" sz="1800" kern="1200" dirty="0">
+                          <a:solidFill>
+                            <a:schemeClr val="dk1"/>
+                          </a:solidFill>
+                          <a:effectLst/>
+                          <a:latin typeface="+mn-lt"/>
+                          <a:ea typeface="+mn-ea"/>
+                          <a:cs typeface="+mn-cs"/>
+                        </a:rPr>
+                        <a:t> </a:t>
+                      </a:r>
+                      <a:endParaRPr lang="en-US" altLang="ko-KR" sz="1800" kern="1200" dirty="0">
+                        <a:solidFill>
+                          <a:schemeClr val="dk1"/>
+                        </a:solidFill>
+                        <a:effectLst/>
+                        <a:latin typeface="+mn-lt"/>
+                        <a:ea typeface="+mn-ea"/>
+                        <a:cs typeface="+mn-cs"/>
+                      </a:endParaRPr>
+                    </a:p>
+                    <a:p>
+                      <a:pPr marL="0" marR="0" lvl="0" indent="0" algn="ctr" defTabSz="914400" rtl="0" eaLnBrk="1" fontAlgn="auto" latinLnBrk="1" hangingPunct="1">
+                        <a:lnSpc>
+                          <a:spcPct val="100000"/>
+                        </a:lnSpc>
+                        <a:spcBef>
+                          <a:spcPts val="0"/>
+                        </a:spcBef>
+                        <a:spcAft>
+                          <a:spcPts val="0"/>
+                        </a:spcAft>
+                        <a:buClrTx/>
+                        <a:buSzTx/>
+                        <a:buFontTx/>
+                        <a:buNone/>
+                        <a:tabLst/>
+                        <a:defRPr/>
+                      </a:pPr>
+                      <a:r>
+                        <a:rPr lang="ko-KR" altLang="en-US" sz="1800" kern="1200" dirty="0">
+                          <a:solidFill>
+                            <a:schemeClr val="dk1"/>
+                          </a:solidFill>
+                          <a:effectLst/>
+                          <a:latin typeface="+mn-lt"/>
+                          <a:ea typeface="+mn-ea"/>
+                          <a:cs typeface="+mn-cs"/>
+                        </a:rPr>
+                        <a:t>이 때 보통 일정한 수의 개체들</a:t>
+                      </a:r>
+                      <a:r>
+                        <a:rPr lang="en-US" altLang="ko-KR" sz="1800" kern="1200" dirty="0">
+                          <a:solidFill>
+                            <a:schemeClr val="dk1"/>
+                          </a:solidFill>
+                          <a:effectLst/>
+                          <a:latin typeface="+mn-lt"/>
+                          <a:ea typeface="+mn-ea"/>
+                          <a:cs typeface="+mn-cs"/>
+                        </a:rPr>
+                        <a:t>(</a:t>
+                      </a:r>
+                      <a:r>
+                        <a:rPr lang="ko-KR" altLang="en-US" sz="1800" kern="1200" dirty="0">
+                          <a:solidFill>
+                            <a:schemeClr val="dk1"/>
+                          </a:solidFill>
+                          <a:effectLst/>
+                          <a:latin typeface="+mn-lt"/>
+                          <a:ea typeface="+mn-ea"/>
+                          <a:cs typeface="+mn-cs"/>
+                        </a:rPr>
+                        <a:t>해의 </a:t>
+                      </a:r>
+                      <a:r>
+                        <a:rPr lang="ko-KR" altLang="en-US" sz="1800" kern="1200" dirty="0" err="1">
+                          <a:solidFill>
+                            <a:schemeClr val="dk1"/>
+                          </a:solidFill>
+                          <a:effectLst/>
+                          <a:latin typeface="+mn-lt"/>
+                          <a:ea typeface="+mn-ea"/>
+                          <a:cs typeface="+mn-cs"/>
+                        </a:rPr>
+                        <a:t>후보군들</a:t>
+                      </a:r>
+                      <a:r>
+                        <a:rPr lang="en-US" altLang="ko-KR" sz="1800" kern="1200" dirty="0">
+                          <a:solidFill>
+                            <a:schemeClr val="dk1"/>
+                          </a:solidFill>
+                          <a:effectLst/>
+                          <a:latin typeface="+mn-lt"/>
+                          <a:ea typeface="+mn-ea"/>
+                          <a:cs typeface="+mn-cs"/>
+                        </a:rPr>
+                        <a:t>)</a:t>
+                      </a:r>
+                      <a:r>
+                        <a:rPr lang="ko-KR" altLang="en-US" sz="1800" kern="1200" dirty="0">
+                          <a:solidFill>
+                            <a:schemeClr val="dk1"/>
+                          </a:solidFill>
+                          <a:effectLst/>
+                          <a:latin typeface="+mn-lt"/>
+                          <a:ea typeface="+mn-ea"/>
+                          <a:cs typeface="+mn-cs"/>
+                        </a:rPr>
+                        <a:t>을 분산시키고</a:t>
+                      </a:r>
+                      <a:endParaRPr lang="en-US" altLang="ko-KR" sz="1800" kern="1200" dirty="0">
+                        <a:solidFill>
+                          <a:schemeClr val="dk1"/>
+                        </a:solidFill>
+                        <a:effectLst/>
+                        <a:latin typeface="+mn-lt"/>
+                        <a:ea typeface="+mn-ea"/>
+                        <a:cs typeface="+mn-cs"/>
+                      </a:endParaRPr>
+                    </a:p>
+                    <a:p>
+                      <a:pPr marL="0" marR="0" lvl="0" indent="0" algn="ctr" defTabSz="914400" rtl="0" eaLnBrk="1" fontAlgn="auto" latinLnBrk="1" hangingPunct="1">
+                        <a:lnSpc>
+                          <a:spcPct val="100000"/>
+                        </a:lnSpc>
+                        <a:spcBef>
+                          <a:spcPts val="0"/>
+                        </a:spcBef>
+                        <a:spcAft>
+                          <a:spcPts val="0"/>
+                        </a:spcAft>
+                        <a:buClrTx/>
+                        <a:buSzTx/>
+                        <a:buFontTx/>
+                        <a:buNone/>
+                        <a:tabLst/>
+                        <a:defRPr/>
+                      </a:pPr>
+                      <a:r>
+                        <a:rPr lang="ko-KR" altLang="en-US" sz="1800" kern="1200" dirty="0">
+                          <a:solidFill>
+                            <a:schemeClr val="dk1"/>
+                          </a:solidFill>
+                          <a:effectLst/>
+                          <a:latin typeface="+mn-lt"/>
+                          <a:ea typeface="+mn-ea"/>
+                          <a:cs typeface="+mn-cs"/>
+                        </a:rPr>
+                        <a:t> </a:t>
+                      </a:r>
+                      <a:r>
+                        <a:rPr lang="ko-KR" altLang="en-US" sz="1800" kern="1200" dirty="0" err="1">
+                          <a:solidFill>
+                            <a:schemeClr val="dk1"/>
+                          </a:solidFill>
+                          <a:effectLst/>
+                          <a:latin typeface="+mn-lt"/>
+                          <a:ea typeface="+mn-ea"/>
+                          <a:cs typeface="+mn-cs"/>
+                        </a:rPr>
+                        <a:t>목적함수의</a:t>
+                      </a:r>
+                      <a:r>
+                        <a:rPr lang="ko-KR" altLang="en-US" sz="1800" kern="1200" dirty="0">
+                          <a:solidFill>
+                            <a:schemeClr val="dk1"/>
+                          </a:solidFill>
+                          <a:effectLst/>
+                          <a:latin typeface="+mn-lt"/>
+                          <a:ea typeface="+mn-ea"/>
+                          <a:cs typeface="+mn-cs"/>
+                        </a:rPr>
+                        <a:t> </a:t>
+                      </a:r>
+                      <a:r>
+                        <a:rPr lang="ko-KR" altLang="en-US" sz="1800" kern="1200" dirty="0" err="1">
+                          <a:solidFill>
+                            <a:schemeClr val="dk1"/>
+                          </a:solidFill>
+                          <a:effectLst/>
+                          <a:latin typeface="+mn-lt"/>
+                          <a:ea typeface="+mn-ea"/>
+                          <a:cs typeface="+mn-cs"/>
+                        </a:rPr>
+                        <a:t>평가값을</a:t>
+                      </a:r>
+                      <a:r>
+                        <a:rPr lang="ko-KR" altLang="en-US" sz="1800" kern="1200" dirty="0">
+                          <a:solidFill>
+                            <a:schemeClr val="dk1"/>
+                          </a:solidFill>
+                          <a:effectLst/>
+                          <a:latin typeface="+mn-lt"/>
+                          <a:ea typeface="+mn-ea"/>
+                          <a:cs typeface="+mn-cs"/>
+                        </a:rPr>
+                        <a:t> 기준으로 우수한 개체들을 선택하는 과정을 거친다</a:t>
+                      </a:r>
+                      <a:r>
+                        <a:rPr lang="en-US" altLang="ko-KR" sz="1800" kern="1200" dirty="0">
+                          <a:solidFill>
+                            <a:schemeClr val="dk1"/>
+                          </a:solidFill>
+                          <a:effectLst/>
+                          <a:latin typeface="+mn-lt"/>
+                          <a:ea typeface="+mn-ea"/>
+                          <a:cs typeface="+mn-cs"/>
+                        </a:rPr>
+                        <a:t>.[10] </a:t>
+                      </a:r>
+                    </a:p>
+                  </a:txBody>
+                  <a:tcPr anchor="ctr">
+                    <a:lnT w="12700" cap="flat" cmpd="sng" algn="ctr">
+                      <a:solidFill>
+                        <a:schemeClr val="tx1"/>
+                      </a:solidFill>
+                      <a:prstDash val="solid"/>
+                      <a:round/>
+                      <a:headEnd type="none" w="med" len="med"/>
+                      <a:tailEnd type="none" w="med" len="med"/>
+                    </a:lnT>
+                    <a:lnB w="12700" cap="flat" cmpd="sng" algn="ctr">
+                      <a:solidFill>
+                        <a:schemeClr val="tx1"/>
+                      </a:solidFill>
+                      <a:prstDash val="solid"/>
+                      <a:round/>
+                      <a:headEnd type="none" w="med" len="med"/>
+                      <a:tailEnd type="none" w="med" len="med"/>
+                    </a:lnB>
+                    <a:noFill/>
+                  </a:tcPr>
+                </a:tc>
+                <a:extLst>
+                  <a:ext uri="{0D108BD9-81ED-4DB2-BD59-A6C34878D82A}">
+                    <a16:rowId xmlns:a16="http://schemas.microsoft.com/office/drawing/2014/main" val="3272815454"/>
+                  </a:ext>
+                </a:extLst>
+              </a:tr>
+              <a:tr h="370840">
+                <a:tc>
+                  <a:txBody>
+                    <a:bodyPr/>
+                    <a:lstStyle/>
+                    <a:p>
+                      <a:pPr algn="ctr"/>
+                      <a:r>
+                        <a:rPr lang="en-US" altLang="ko-Kore-KR" sz="1400" b="1" dirty="0"/>
+                        <a:t>Local Optimizer</a:t>
+                      </a:r>
+                      <a:endParaRPr lang="ko-Kore-KR" altLang="en-US" sz="1400" b="1" dirty="0"/>
+                    </a:p>
+                  </a:txBody>
+                  <a:tcPr anchor="ctr">
+                    <a:lnL w="28575" cap="flat" cmpd="sng" algn="ctr">
+                      <a:noFill/>
+                      <a:prstDash val="solid"/>
+                      <a:round/>
+                      <a:headEnd type="none" w="med" len="med"/>
+                      <a:tailEnd type="none" w="med" len="med"/>
+                    </a:lnL>
+                    <a:lnT w="12700" cap="flat" cmpd="sng" algn="ctr">
+                      <a:solidFill>
+                        <a:schemeClr val="tx1"/>
+                      </a:solidFill>
+                      <a:prstDash val="solid"/>
+                      <a:round/>
+                      <a:headEnd type="none" w="med" len="med"/>
+                      <a:tailEnd type="none" w="med" len="med"/>
+                    </a:lnT>
+                    <a:lnB w="28575" cap="flat" cmpd="sng" algn="ctr">
+                      <a:solidFill>
+                        <a:schemeClr val="tx1"/>
+                      </a:solidFill>
+                      <a:prstDash val="solid"/>
+                      <a:round/>
+                      <a:headEnd type="none" w="med" len="med"/>
+                      <a:tailEnd type="none" w="med" len="med"/>
+                    </a:lnB>
+                    <a:noFill/>
+                  </a:tcPr>
+                </a:tc>
+                <a:tc>
+                  <a:txBody>
+                    <a:bodyPr/>
+                    <a:lstStyle/>
+                    <a:p>
+                      <a:pPr algn="ctr"/>
+                      <a:r>
+                        <a:rPr lang="en-US" altLang="ko-Kore-KR" sz="1400" b="1" dirty="0"/>
+                        <a:t>L-BFGS</a:t>
+                      </a:r>
+                      <a:endParaRPr lang="ko-Kore-KR" altLang="en-US" sz="1400" b="1" dirty="0"/>
+                    </a:p>
+                  </a:txBody>
+                  <a:tcPr anchor="ctr">
+                    <a:lnT w="12700" cap="flat" cmpd="sng" algn="ctr">
+                      <a:solidFill>
+                        <a:schemeClr val="tx1"/>
+                      </a:solidFill>
+                      <a:prstDash val="solid"/>
+                      <a:round/>
+                      <a:headEnd type="none" w="med" len="med"/>
+                      <a:tailEnd type="none" w="med" len="med"/>
+                    </a:lnT>
+                    <a:lnB w="28575" cap="flat" cmpd="sng" algn="ctr">
+                      <a:solidFill>
+                        <a:schemeClr val="tx1"/>
+                      </a:solidFill>
+                      <a:prstDash val="solid"/>
+                      <a:round/>
+                      <a:headEnd type="none" w="med" len="med"/>
+                      <a:tailEnd type="none" w="med" len="med"/>
+                    </a:lnB>
+                    <a:noFill/>
+                  </a:tcPr>
+                </a:tc>
+                <a:tc>
+                  <a:txBody>
+                    <a:bodyPr/>
+                    <a:lstStyle/>
+                    <a:p>
+                      <a:pPr marL="0" marR="0" lvl="0" indent="0" algn="ctr" defTabSz="914400" rtl="0" eaLnBrk="1" fontAlgn="auto" latinLnBrk="0" hangingPunct="1">
+                        <a:lnSpc>
+                          <a:spcPct val="100000"/>
+                        </a:lnSpc>
+                        <a:spcBef>
+                          <a:spcPts val="0"/>
+                        </a:spcBef>
+                        <a:spcAft>
+                          <a:spcPts val="0"/>
+                        </a:spcAft>
+                        <a:buClrTx/>
+                        <a:buSzTx/>
+                        <a:buFontTx/>
+                        <a:buNone/>
+                        <a:tabLst/>
+                        <a:defRPr/>
+                      </a:pPr>
+                      <a:r>
+                        <a:rPr lang="en" altLang="ko-Kore-KR" sz="1800" b="0" i="0" u="none" strike="noStrike" kern="1200" dirty="0">
+                          <a:solidFill>
+                            <a:schemeClr val="dk1"/>
+                          </a:solidFill>
+                          <a:effectLst/>
+                          <a:latin typeface="+mn-lt"/>
+                          <a:ea typeface="+mn-ea"/>
+                          <a:cs typeface="+mn-cs"/>
+                        </a:rPr>
+                        <a:t>quasi-Newton</a:t>
+                      </a:r>
+                      <a:r>
+                        <a:rPr lang="ko-KR" altLang="en-US" sz="1800" b="0" i="0" u="none" strike="noStrike" kern="1200" dirty="0">
+                          <a:solidFill>
+                            <a:schemeClr val="dk1"/>
+                          </a:solidFill>
+                          <a:effectLst/>
+                          <a:latin typeface="+mn-lt"/>
+                          <a:ea typeface="+mn-ea"/>
+                          <a:cs typeface="+mn-cs"/>
+                        </a:rPr>
+                        <a:t> 방식의 알고리즘이며</a:t>
+                      </a:r>
+                      <a:r>
+                        <a:rPr lang="en-US" altLang="ko-KR" sz="1800" b="0" i="0" u="none" strike="noStrike" kern="1200" dirty="0">
+                          <a:solidFill>
+                            <a:schemeClr val="dk1"/>
+                          </a:solidFill>
+                          <a:effectLst/>
+                          <a:latin typeface="+mn-lt"/>
+                          <a:ea typeface="+mn-ea"/>
+                          <a:cs typeface="+mn-cs"/>
+                        </a:rPr>
+                        <a:t>,</a:t>
+                      </a:r>
+                      <a:r>
+                        <a:rPr lang="ko-KR" altLang="en-US" sz="1800" b="0" i="0" u="none" strike="noStrike" kern="1200" dirty="0">
+                          <a:solidFill>
+                            <a:schemeClr val="dk1"/>
+                          </a:solidFill>
+                          <a:effectLst/>
+                          <a:latin typeface="+mn-lt"/>
+                          <a:ea typeface="+mn-ea"/>
+                          <a:cs typeface="+mn-cs"/>
+                        </a:rPr>
+                        <a:t> </a:t>
+                      </a:r>
+                      <a:r>
+                        <a:rPr lang="en" altLang="ko-Kore-KR" sz="1800" b="0" i="0" u="none" strike="noStrike" kern="1200" dirty="0">
+                          <a:solidFill>
+                            <a:schemeClr val="dk1"/>
+                          </a:solidFill>
+                          <a:effectLst/>
+                          <a:latin typeface="+mn-lt"/>
+                          <a:ea typeface="+mn-ea"/>
+                          <a:cs typeface="+mn-cs"/>
+                        </a:rPr>
+                        <a:t>BFGS </a:t>
+                      </a:r>
+                      <a:r>
+                        <a:rPr lang="ko-KR" altLang="en-US" sz="1800" b="0" i="0" u="none" strike="noStrike" kern="1200" dirty="0">
+                          <a:solidFill>
+                            <a:schemeClr val="dk1"/>
+                          </a:solidFill>
+                          <a:effectLst/>
+                          <a:latin typeface="+mn-lt"/>
+                          <a:ea typeface="+mn-ea"/>
+                          <a:cs typeface="+mn-cs"/>
+                        </a:rPr>
+                        <a:t>방법의 확장된 버전이다</a:t>
+                      </a:r>
+                      <a:r>
+                        <a:rPr lang="en-US" altLang="ko-KR" sz="1800" b="0" i="0" u="none" strike="noStrike" kern="1200" dirty="0">
+                          <a:solidFill>
+                            <a:schemeClr val="dk1"/>
+                          </a:solidFill>
+                          <a:effectLst/>
+                          <a:latin typeface="+mn-lt"/>
+                          <a:ea typeface="+mn-ea"/>
+                          <a:cs typeface="+mn-cs"/>
+                        </a:rPr>
+                        <a:t>. </a:t>
+                      </a:r>
+                      <a:r>
+                        <a:rPr lang="ko-KR" altLang="en-US" sz="1800" b="0" i="0" u="none" strike="noStrike" kern="1200" dirty="0">
+                          <a:solidFill>
+                            <a:schemeClr val="dk1"/>
+                          </a:solidFill>
+                          <a:effectLst/>
+                          <a:latin typeface="+mn-lt"/>
+                          <a:ea typeface="+mn-ea"/>
+                          <a:cs typeface="+mn-cs"/>
+                        </a:rPr>
+                        <a:t>단순한 박스 형태의 </a:t>
+                      </a:r>
+                      <a:r>
+                        <a:rPr lang="ko-KR" altLang="en-US" sz="1800" b="0" i="0" u="none" strike="noStrike" kern="1200" dirty="0" err="1">
+                          <a:solidFill>
+                            <a:schemeClr val="dk1"/>
+                          </a:solidFill>
+                          <a:effectLst/>
+                          <a:latin typeface="+mn-lt"/>
+                          <a:ea typeface="+mn-ea"/>
+                          <a:cs typeface="+mn-cs"/>
+                        </a:rPr>
+                        <a:t>제약조건과</a:t>
+                      </a:r>
+                      <a:r>
+                        <a:rPr lang="ko-KR" altLang="en-US" sz="1800" b="0" i="0" u="none" strike="noStrike" kern="1200" dirty="0">
+                          <a:solidFill>
+                            <a:schemeClr val="dk1"/>
+                          </a:solidFill>
+                          <a:effectLst/>
+                          <a:latin typeface="+mn-lt"/>
+                          <a:ea typeface="+mn-ea"/>
+                          <a:cs typeface="+mn-cs"/>
+                        </a:rPr>
+                        <a:t> </a:t>
+                      </a:r>
+                      <a:r>
+                        <a:rPr lang="en" altLang="ko-KR" sz="1800" b="0" i="0" u="none" strike="noStrike" kern="1200" dirty="0">
+                          <a:solidFill>
+                            <a:schemeClr val="dk1"/>
+                          </a:solidFill>
+                          <a:effectLst/>
+                          <a:latin typeface="+mn-lt"/>
+                          <a:ea typeface="+mn-ea"/>
+                          <a:cs typeface="+mn-cs"/>
+                        </a:rPr>
+                        <a:t>U</a:t>
+                      </a:r>
+                      <a:r>
+                        <a:rPr lang="en" altLang="ko-Kore-KR" sz="1800" b="0" i="0" u="none" strike="noStrike" kern="1200" dirty="0">
+                          <a:solidFill>
+                            <a:schemeClr val="dk1"/>
+                          </a:solidFill>
+                          <a:effectLst/>
+                          <a:latin typeface="+mn-lt"/>
+                          <a:ea typeface="+mn-ea"/>
+                          <a:cs typeface="+mn-cs"/>
+                        </a:rPr>
+                        <a:t>pper bound</a:t>
+                      </a:r>
+                      <a:r>
+                        <a:rPr lang="ko-KR" altLang="en-US" sz="1800" b="0" i="0" u="none" strike="noStrike" kern="1200" dirty="0" err="1">
+                          <a:solidFill>
+                            <a:schemeClr val="dk1"/>
+                          </a:solidFill>
+                          <a:effectLst/>
+                          <a:latin typeface="+mn-lt"/>
+                          <a:ea typeface="+mn-ea"/>
+                          <a:cs typeface="+mn-cs"/>
+                        </a:rPr>
+                        <a:t>를</a:t>
+                      </a:r>
+                      <a:r>
+                        <a:rPr lang="ko-KR" altLang="en-US" sz="1800" b="0" i="0" u="none" strike="noStrike" kern="1200" dirty="0">
+                          <a:solidFill>
+                            <a:schemeClr val="dk1"/>
+                          </a:solidFill>
+                          <a:effectLst/>
+                          <a:latin typeface="+mn-lt"/>
+                          <a:ea typeface="+mn-ea"/>
+                          <a:cs typeface="+mn-cs"/>
+                        </a:rPr>
+                        <a:t> 대표성을 가지는 일부 벡터들에 넣어 반복을 통한 범위내 해를 도출한다</a:t>
+                      </a:r>
+                      <a:r>
+                        <a:rPr lang="en-US" altLang="ko-KR" sz="1800" b="0" i="0" u="none" strike="noStrike" kern="1200" dirty="0">
+                          <a:solidFill>
+                            <a:schemeClr val="dk1"/>
+                          </a:solidFill>
+                          <a:effectLst/>
+                          <a:latin typeface="+mn-lt"/>
+                          <a:ea typeface="+mn-ea"/>
+                          <a:cs typeface="+mn-cs"/>
+                        </a:rPr>
+                        <a:t>.[11]</a:t>
+                      </a:r>
+                      <a:endParaRPr lang="ko-Kore-KR" altLang="en-US" sz="1300" dirty="0"/>
+                    </a:p>
+                  </a:txBody>
+                  <a:tcPr anchor="ctr">
+                    <a:lnT w="12700" cap="flat" cmpd="sng" algn="ctr">
+                      <a:solidFill>
+                        <a:schemeClr val="tx1"/>
+                      </a:solidFill>
+                      <a:prstDash val="solid"/>
+                      <a:round/>
+                      <a:headEnd type="none" w="med" len="med"/>
+                      <a:tailEnd type="none" w="med" len="med"/>
+                    </a:lnT>
+                    <a:lnB w="28575" cap="flat" cmpd="sng" algn="ctr">
+                      <a:solidFill>
+                        <a:schemeClr val="tx1"/>
+                      </a:solidFill>
+                      <a:prstDash val="solid"/>
+                      <a:round/>
+                      <a:headEnd type="none" w="med" len="med"/>
+                      <a:tailEnd type="none" w="med" len="med"/>
+                    </a:lnB>
+                    <a:noFill/>
+                  </a:tcPr>
+                </a:tc>
+                <a:extLst>
+                  <a:ext uri="{0D108BD9-81ED-4DB2-BD59-A6C34878D82A}">
+                    <a16:rowId xmlns:a16="http://schemas.microsoft.com/office/drawing/2014/main" val="2661254813"/>
+                  </a:ext>
+                </a:extLst>
+              </a:tr>
+            </a:tbl>
+          </a:graphicData>
+        </a:graphic>
+      </p:graphicFrame>
+    </p:spTree>
+    <p:extLst>
+      <p:ext uri="{BB962C8B-B14F-4D97-AF65-F5344CB8AC3E}">
+        <p14:creationId xmlns:p14="http://schemas.microsoft.com/office/powerpoint/2010/main" val="4178110182"/>
       </p:ext>
     </p:extLst>
   </p:cSld>

--- a/Temp/리포트 피규어용.pptx
+++ b/Temp/리포트 피규어용.pptx
@@ -263,7 +263,7 @@
           <a:p>
             <a:fld id="{604E0568-ECD1-4357-BE90-9F627365A0A3}" type="datetimeFigureOut">
               <a:rPr lang="ko-KR" altLang="en-US" smtClean="0"/>
-              <a:t>2021. 10. 16.</a:t>
+              <a:t>2021. 10. 31.</a:t>
             </a:fld>
             <a:endParaRPr lang="ko-KR" altLang="en-US"/>
           </a:p>
@@ -461,7 +461,7 @@
           <a:p>
             <a:fld id="{604E0568-ECD1-4357-BE90-9F627365A0A3}" type="datetimeFigureOut">
               <a:rPr lang="ko-KR" altLang="en-US" smtClean="0"/>
-              <a:t>2021. 10. 16.</a:t>
+              <a:t>2021. 10. 31.</a:t>
             </a:fld>
             <a:endParaRPr lang="ko-KR" altLang="en-US"/>
           </a:p>
@@ -669,7 +669,7 @@
           <a:p>
             <a:fld id="{604E0568-ECD1-4357-BE90-9F627365A0A3}" type="datetimeFigureOut">
               <a:rPr lang="ko-KR" altLang="en-US" smtClean="0"/>
-              <a:t>2021. 10. 16.</a:t>
+              <a:t>2021. 10. 31.</a:t>
             </a:fld>
             <a:endParaRPr lang="ko-KR" altLang="en-US"/>
           </a:p>
@@ -867,7 +867,7 @@
           <a:p>
             <a:fld id="{604E0568-ECD1-4357-BE90-9F627365A0A3}" type="datetimeFigureOut">
               <a:rPr lang="ko-KR" altLang="en-US" smtClean="0"/>
-              <a:t>2021. 10. 16.</a:t>
+              <a:t>2021. 10. 31.</a:t>
             </a:fld>
             <a:endParaRPr lang="ko-KR" altLang="en-US"/>
           </a:p>
@@ -1142,7 +1142,7 @@
           <a:p>
             <a:fld id="{604E0568-ECD1-4357-BE90-9F627365A0A3}" type="datetimeFigureOut">
               <a:rPr lang="ko-KR" altLang="en-US" smtClean="0"/>
-              <a:t>2021. 10. 16.</a:t>
+              <a:t>2021. 10. 31.</a:t>
             </a:fld>
             <a:endParaRPr lang="ko-KR" altLang="en-US"/>
           </a:p>
@@ -1407,7 +1407,7 @@
           <a:p>
             <a:fld id="{604E0568-ECD1-4357-BE90-9F627365A0A3}" type="datetimeFigureOut">
               <a:rPr lang="ko-KR" altLang="en-US" smtClean="0"/>
-              <a:t>2021. 10. 16.</a:t>
+              <a:t>2021. 10. 31.</a:t>
             </a:fld>
             <a:endParaRPr lang="ko-KR" altLang="en-US"/>
           </a:p>
@@ -1819,7 +1819,7 @@
           <a:p>
             <a:fld id="{604E0568-ECD1-4357-BE90-9F627365A0A3}" type="datetimeFigureOut">
               <a:rPr lang="ko-KR" altLang="en-US" smtClean="0"/>
-              <a:t>2021. 10. 16.</a:t>
+              <a:t>2021. 10. 31.</a:t>
             </a:fld>
             <a:endParaRPr lang="ko-KR" altLang="en-US"/>
           </a:p>
@@ -1960,7 +1960,7 @@
           <a:p>
             <a:fld id="{604E0568-ECD1-4357-BE90-9F627365A0A3}" type="datetimeFigureOut">
               <a:rPr lang="ko-KR" altLang="en-US" smtClean="0"/>
-              <a:t>2021. 10. 16.</a:t>
+              <a:t>2021. 10. 31.</a:t>
             </a:fld>
             <a:endParaRPr lang="ko-KR" altLang="en-US"/>
           </a:p>
@@ -2073,7 +2073,7 @@
           <a:p>
             <a:fld id="{604E0568-ECD1-4357-BE90-9F627365A0A3}" type="datetimeFigureOut">
               <a:rPr lang="ko-KR" altLang="en-US" smtClean="0"/>
-              <a:t>2021. 10. 16.</a:t>
+              <a:t>2021. 10. 31.</a:t>
             </a:fld>
             <a:endParaRPr lang="ko-KR" altLang="en-US"/>
           </a:p>
@@ -2384,7 +2384,7 @@
           <a:p>
             <a:fld id="{604E0568-ECD1-4357-BE90-9F627365A0A3}" type="datetimeFigureOut">
               <a:rPr lang="ko-KR" altLang="en-US" smtClean="0"/>
-              <a:t>2021. 10. 16.</a:t>
+              <a:t>2021. 10. 31.</a:t>
             </a:fld>
             <a:endParaRPr lang="ko-KR" altLang="en-US"/>
           </a:p>
@@ -2672,7 +2672,7 @@
           <a:p>
             <a:fld id="{604E0568-ECD1-4357-BE90-9F627365A0A3}" type="datetimeFigureOut">
               <a:rPr lang="ko-KR" altLang="en-US" smtClean="0"/>
-              <a:t>2021. 10. 16.</a:t>
+              <a:t>2021. 10. 31.</a:t>
             </a:fld>
             <a:endParaRPr lang="ko-KR" altLang="en-US"/>
           </a:p>
@@ -2913,7 +2913,7 @@
           <a:p>
             <a:fld id="{604E0568-ECD1-4357-BE90-9F627365A0A3}" type="datetimeFigureOut">
               <a:rPr lang="ko-KR" altLang="en-US" smtClean="0"/>
-              <a:t>2021. 10. 16.</a:t>
+              <a:t>2021. 10. 31.</a:t>
             </a:fld>
             <a:endParaRPr lang="ko-KR" altLang="en-US"/>
           </a:p>
